--- a/Week15/06 Dog Rescue - JPA Configuration.pptx
+++ b/Week15/06 Dog Rescue - JPA Configuration.pptx
@@ -115,6 +115,50 @@
 </p:presentation>
 </file>
 
+<file path=ppt/changesInfos/changesInfo1.xml><?xml version="1.0" encoding="utf-8"?>
+<pc:chgInfo xmlns:a="http://schemas.openxmlformats.org/drawingml/2006/main" xmlns:r="http://schemas.openxmlformats.org/officeDocument/2006/relationships" xmlns:ac="http://schemas.microsoft.com/office/drawing/2013/main/command" xmlns:pc="http://schemas.microsoft.com/office/powerpoint/2013/main/command">
+  <pc:docChgLst>
+    <pc:chgData name="Chuck Kiefriter" userId="a996b49251c4dfd2" providerId="LiveId" clId="{E432B248-6CE7-44A6-AB1B-CBC139B49A11}"/>
+    <pc:docChg chg="modSld">
+      <pc:chgData name="Chuck Kiefriter" userId="a996b49251c4dfd2" providerId="LiveId" clId="{E432B248-6CE7-44A6-AB1B-CBC139B49A11}" dt="2024-05-15T23:33:12.475" v="2" actId="14100"/>
+      <pc:docMkLst>
+        <pc:docMk/>
+      </pc:docMkLst>
+      <pc:sldChg chg="modSp mod">
+        <pc:chgData name="Chuck Kiefriter" userId="a996b49251c4dfd2" providerId="LiveId" clId="{E432B248-6CE7-44A6-AB1B-CBC139B49A11}" dt="2024-05-15T23:32:59.381" v="0" actId="14100"/>
+        <pc:sldMkLst>
+          <pc:docMk/>
+          <pc:sldMk cId="3244197433" sldId="257"/>
+        </pc:sldMkLst>
+        <pc:spChg chg="mod">
+          <ac:chgData name="Chuck Kiefriter" userId="a996b49251c4dfd2" providerId="LiveId" clId="{E432B248-6CE7-44A6-AB1B-CBC139B49A11}" dt="2024-05-15T23:32:59.381" v="0" actId="14100"/>
+          <ac:spMkLst>
+            <pc:docMk/>
+            <pc:sldMk cId="3244197433" sldId="257"/>
+            <ac:spMk id="3" creationId="{20520E34-EE4D-2CF8-7188-D0909370B1E4}"/>
+          </ac:spMkLst>
+        </pc:spChg>
+      </pc:sldChg>
+      <pc:sldChg chg="modSp mod">
+        <pc:chgData name="Chuck Kiefriter" userId="a996b49251c4dfd2" providerId="LiveId" clId="{E432B248-6CE7-44A6-AB1B-CBC139B49A11}" dt="2024-05-15T23:33:12.475" v="2" actId="14100"/>
+        <pc:sldMkLst>
+          <pc:docMk/>
+          <pc:sldMk cId="4034307542" sldId="258"/>
+        </pc:sldMkLst>
+        <pc:spChg chg="mod">
+          <ac:chgData name="Chuck Kiefriter" userId="a996b49251c4dfd2" providerId="LiveId" clId="{E432B248-6CE7-44A6-AB1B-CBC139B49A11}" dt="2024-05-15T23:33:12.475" v="2" actId="14100"/>
+          <ac:spMkLst>
+            <pc:docMk/>
+            <pc:sldMk cId="4034307542" sldId="258"/>
+            <ac:spMk id="3" creationId="{ECE54790-995B-272E-36F3-C786C93F7F20}"/>
+          </ac:spMkLst>
+        </pc:spChg>
+      </pc:sldChg>
+    </pc:docChg>
+  </pc:docChgLst>
+</pc:chgInfo>
+</file>
+
 <file path=ppt/slideLayouts/slideLayout1.xml><?xml version="1.0" encoding="utf-8"?>
 <p:sldLayout xmlns:a="http://schemas.openxmlformats.org/drawingml/2006/main" xmlns:r="http://schemas.openxmlformats.org/officeDocument/2006/relationships" xmlns:p="http://schemas.openxmlformats.org/presentationml/2006/main" type="title" preserve="1">
   <p:cSld name="Title Slide">
@@ -246,7 +290,7 @@
           <a:p>
             <a:fld id="{31A803A1-4761-429B-8AB2-1EF559A50A51}" type="datetimeFigureOut">
               <a:rPr lang="en-US" smtClean="0"/>
-              <a:t>1/8/2023</a:t>
+              <a:t>5/15/2024</a:t>
             </a:fld>
             <a:endParaRPr lang="en-US"/>
           </a:p>
@@ -416,7 +460,7 @@
           <a:p>
             <a:fld id="{31A803A1-4761-429B-8AB2-1EF559A50A51}" type="datetimeFigureOut">
               <a:rPr lang="en-US" smtClean="0"/>
-              <a:t>1/8/2023</a:t>
+              <a:t>5/15/2024</a:t>
             </a:fld>
             <a:endParaRPr lang="en-US"/>
           </a:p>
@@ -596,7 +640,7 @@
           <a:p>
             <a:fld id="{31A803A1-4761-429B-8AB2-1EF559A50A51}" type="datetimeFigureOut">
               <a:rPr lang="en-US" smtClean="0"/>
-              <a:t>1/8/2023</a:t>
+              <a:t>5/15/2024</a:t>
             </a:fld>
             <a:endParaRPr lang="en-US"/>
           </a:p>
@@ -766,7 +810,7 @@
           <a:p>
             <a:fld id="{31A803A1-4761-429B-8AB2-1EF559A50A51}" type="datetimeFigureOut">
               <a:rPr lang="en-US" smtClean="0"/>
-              <a:t>1/8/2023</a:t>
+              <a:t>5/15/2024</a:t>
             </a:fld>
             <a:endParaRPr lang="en-US"/>
           </a:p>
@@ -1012,7 +1056,7 @@
           <a:p>
             <a:fld id="{31A803A1-4761-429B-8AB2-1EF559A50A51}" type="datetimeFigureOut">
               <a:rPr lang="en-US" smtClean="0"/>
-              <a:t>1/8/2023</a:t>
+              <a:t>5/15/2024</a:t>
             </a:fld>
             <a:endParaRPr lang="en-US"/>
           </a:p>
@@ -1244,7 +1288,7 @@
           <a:p>
             <a:fld id="{31A803A1-4761-429B-8AB2-1EF559A50A51}" type="datetimeFigureOut">
               <a:rPr lang="en-US" smtClean="0"/>
-              <a:t>1/8/2023</a:t>
+              <a:t>5/15/2024</a:t>
             </a:fld>
             <a:endParaRPr lang="en-US"/>
           </a:p>
@@ -1611,7 +1655,7 @@
           <a:p>
             <a:fld id="{31A803A1-4761-429B-8AB2-1EF559A50A51}" type="datetimeFigureOut">
               <a:rPr lang="en-US" smtClean="0"/>
-              <a:t>1/8/2023</a:t>
+              <a:t>5/15/2024</a:t>
             </a:fld>
             <a:endParaRPr lang="en-US"/>
           </a:p>
@@ -1729,7 +1773,7 @@
           <a:p>
             <a:fld id="{31A803A1-4761-429B-8AB2-1EF559A50A51}" type="datetimeFigureOut">
               <a:rPr lang="en-US" smtClean="0"/>
-              <a:t>1/8/2023</a:t>
+              <a:t>5/15/2024</a:t>
             </a:fld>
             <a:endParaRPr lang="en-US"/>
           </a:p>
@@ -1824,7 +1868,7 @@
           <a:p>
             <a:fld id="{31A803A1-4761-429B-8AB2-1EF559A50A51}" type="datetimeFigureOut">
               <a:rPr lang="en-US" smtClean="0"/>
-              <a:t>1/8/2023</a:t>
+              <a:t>5/15/2024</a:t>
             </a:fld>
             <a:endParaRPr lang="en-US"/>
           </a:p>
@@ -2101,7 +2145,7 @@
           <a:p>
             <a:fld id="{31A803A1-4761-429B-8AB2-1EF559A50A51}" type="datetimeFigureOut">
               <a:rPr lang="en-US" smtClean="0"/>
-              <a:t>1/8/2023</a:t>
+              <a:t>5/15/2024</a:t>
             </a:fld>
             <a:endParaRPr lang="en-US"/>
           </a:p>
@@ -2358,7 +2402,7 @@
           <a:p>
             <a:fld id="{31A803A1-4761-429B-8AB2-1EF559A50A51}" type="datetimeFigureOut">
               <a:rPr lang="en-US" smtClean="0"/>
-              <a:t>1/8/2023</a:t>
+              <a:t>5/15/2024</a:t>
             </a:fld>
             <a:endParaRPr lang="en-US"/>
           </a:p>
@@ -2571,7 +2615,7 @@
           <a:p>
             <a:fld id="{31A803A1-4761-429B-8AB2-1EF559A50A51}" type="datetimeFigureOut">
               <a:rPr lang="en-US" smtClean="0"/>
-              <a:t>1/8/2023</a:t>
+              <a:t>5/15/2024</a:t>
             </a:fld>
             <a:endParaRPr lang="en-US"/>
           </a:p>
@@ -3126,7 +3170,7 @@
         <p:spPr>
           <a:xfrm>
             <a:off x="838200" y="1825625"/>
-            <a:ext cx="5851358" cy="4351338"/>
+            <a:ext cx="11259312" cy="4351338"/>
           </a:xfrm>
         </p:spPr>
         <p:txBody>
@@ -3175,12 +3219,8 @@
               </a:spcBef>
             </a:pPr>
             <a:r>
-              <a:rPr lang="en-US"/>
-              <a:t>Test </a:t>
-            </a:r>
-            <a:r>
               <a:rPr lang="en-US" dirty="0"/>
-              <a:t>to see that the tables are created and populated </a:t>
+              <a:t>Test to see that the tables are created and populated </a:t>
             </a:r>
             <a:r>
               <a:rPr lang="en-US" dirty="0">
@@ -3287,7 +3327,7 @@
         <p:spPr>
           <a:xfrm>
             <a:off x="838200" y="1825625"/>
-            <a:ext cx="6140116" cy="4351338"/>
+            <a:ext cx="11039856" cy="4351338"/>
           </a:xfrm>
         </p:spPr>
         <p:txBody>
